--- a/presentation.pptx
+++ b/presentation.pptx
@@ -12,10 +12,6 @@
     <p:sldId id="260" r:id="rId6"/>
     <p:sldId id="261" r:id="rId7"/>
     <p:sldId id="262" r:id="rId8"/>
-    <p:sldId id="263" r:id="rId9"/>
-    <p:sldId id="264" r:id="rId10"/>
-    <p:sldId id="265" r:id="rId11"/>
-    <p:sldId id="266" r:id="rId12"/>
   </p:sldIdLst>
   <p:sldSz cx="9144000" cy="5143500" type="screen16x9"/>
   <p:notesSz cx="6858000" cy="9144000"/>
@@ -3125,7 +3121,7 @@
             </a:pPr>
             <a:r>
               <a:rPr/>
-              <a:t>Debugging Problems</a:t>
+              <a:t>Quantum Solution to Poissons Equation for Flow Simulation</a:t>
             </a:r>
           </a:p>
         </p:txBody>
@@ -3157,184 +3153,7 @@
             <a:br/>
             <a:r>
               <a:rPr/>
-              <a:t>Author: Patrick Farmer Supervisor: Dr. Jonathon Dukes</a:t>
-            </a:r>
-          </a:p>
-        </p:txBody>
-      </p:sp>
-    </p:spTree>
-  </p:cSld>
-</p:sld>
-</file>
-
-<file path=ppt/slides/slide10.xml><?xml version="1.0" encoding="utf-8"?>
-<p:sld xmlns:a="http://schemas.openxmlformats.org/drawingml/2006/main" xmlns:r="http://schemas.openxmlformats.org/officeDocument/2006/relationships" xmlns:p="http://schemas.openxmlformats.org/presentationml/2006/main">
-  <p:cSld>
-    <p:spTree>
-      <p:nvGrpSpPr>
-        <p:cNvPr id="1" name=""/>
-        <p:cNvGrpSpPr/>
-        <p:nvPr/>
-      </p:nvGrpSpPr>
-      <p:grpSpPr>
-        <a:xfrm>
-          <a:off x="0" y="0"/>
-          <a:ext cx="0" cy="0"/>
-          <a:chOff x="0" y="0"/>
-          <a:chExt cx="0" cy="0"/>
-        </a:xfrm>
-      </p:grpSpPr>
-      <p:sp>
-        <p:nvSpPr>
-          <p:cNvPr id="2" name="Title 1"/>
-          <p:cNvSpPr>
-            <a:spLocks noGrp="1"/>
-          </p:cNvSpPr>
-          <p:nvPr>
-            <p:ph type="title"/>
-          </p:nvPr>
-        </p:nvSpPr>
-        <p:spPr/>
-        <p:txBody>
-          <a:bodyPr/>
-          <a:lstStyle/>
-          <a:p>
-            <a:pPr lvl="0" indent="0" marL="0">
-              <a:buNone/>
-            </a:pPr>
-            <a:r>
-              <a:rPr/>
-              <a:t>Performance across models</a:t>
-            </a:r>
-          </a:p>
-        </p:txBody>
-      </p:sp>
-      <p:sp>
-        <p:nvSpPr>
-          <p:cNvPr id="3" name="Content Placeholder 2"/>
-          <p:cNvSpPr>
-            <a:spLocks noGrp="1"/>
-          </p:cNvSpPr>
-          <p:nvPr>
-            <p:ph idx="1"/>
-          </p:nvPr>
-        </p:nvSpPr>
-        <p:spPr/>
-        <p:txBody>
-          <a:bodyPr/>
-          <a:lstStyle/>
-          <a:p>
-            <a:pPr lvl="0"/>
-            <a:r>
-              <a:rPr/>
-              <a:t>Comparison of performance across models with graph</a:t>
-            </a:r>
-          </a:p>
-          <a:p>
-            <a:pPr lvl="0"/>
-            <a:r>
-              <a:rPr/>
-              <a:t>Discussion of reasoning vs normal models</a:t>
-            </a:r>
-          </a:p>
-        </p:txBody>
-      </p:sp>
-    </p:spTree>
-  </p:cSld>
-</p:sld>
-</file>
-
-<file path=ppt/slides/slide11.xml><?xml version="1.0" encoding="utf-8"?>
-<p:sld xmlns:a="http://schemas.openxmlformats.org/drawingml/2006/main" xmlns:r="http://schemas.openxmlformats.org/officeDocument/2006/relationships" xmlns:p="http://schemas.openxmlformats.org/presentationml/2006/main">
-  <p:cSld>
-    <p:spTree>
-      <p:nvGrpSpPr>
-        <p:cNvPr id="1" name=""/>
-        <p:cNvGrpSpPr/>
-        <p:nvPr/>
-      </p:nvGrpSpPr>
-      <p:grpSpPr>
-        <a:xfrm>
-          <a:off x="0" y="0"/>
-          <a:ext cx="0" cy="0"/>
-          <a:chOff x="0" y="0"/>
-          <a:chExt cx="0" cy="0"/>
-        </a:xfrm>
-      </p:grpSpPr>
-      <p:sp>
-        <p:nvSpPr>
-          <p:cNvPr id="2" name="Title 1"/>
-          <p:cNvSpPr>
-            <a:spLocks noGrp="1"/>
-          </p:cNvSpPr>
-          <p:nvPr>
-            <p:ph type="title"/>
-          </p:nvPr>
-        </p:nvSpPr>
-        <p:spPr/>
-        <p:txBody>
-          <a:bodyPr/>
-          <a:lstStyle/>
-          <a:p>
-            <a:pPr lvl="0" indent="0" marL="0">
-              <a:buNone/>
-            </a:pPr>
-            <a:r>
-              <a:rPr/>
-              <a:t>Conclusion</a:t>
-            </a:r>
-          </a:p>
-        </p:txBody>
-      </p:sp>
-      <p:sp>
-        <p:nvSpPr>
-          <p:cNvPr id="3" name="Content Placeholder 2"/>
-          <p:cNvSpPr>
-            <a:spLocks noGrp="1"/>
-          </p:cNvSpPr>
-          <p:nvPr>
-            <p:ph idx="1"/>
-          </p:nvPr>
-        </p:nvSpPr>
-        <p:spPr/>
-        <p:txBody>
-          <a:bodyPr/>
-          <a:lstStyle/>
-          <a:p>
-            <a:pPr lvl="0"/>
-            <a:r>
-              <a:rPr/>
-              <a:t>Summary of project</a:t>
-            </a:r>
-          </a:p>
-          <a:p>
-            <a:pPr lvl="0"/>
-            <a:r>
-              <a:rPr/>
-              <a:t>Future work</a:t>
-            </a:r>
-          </a:p>
-          <a:p>
-            <a:pPr lvl="0"/>
-            <a:r>
-              <a:rPr/>
-              <a:t>Questions</a:t>
-            </a:r>
-          </a:p>
-          <a:p>
-            <a:pPr lvl="0"/>
-            <a:r>
-              <a:rPr/>
-              <a:t>Thank you</a:t>
-            </a:r>
-          </a:p>
-          <a:p>
-            <a:pPr lvl="0" indent="0" marL="0">
-              <a:buNone/>
-            </a:pPr>
-            <a:r>
-              <a:rPr/>
-              <a:t>`</a:t>
+              <a:t>Author: Patrick Farmer</a:t>
             </a:r>
           </a:p>
         </p:txBody>
@@ -3381,7 +3200,7 @@
             </a:pPr>
             <a:r>
               <a:rPr/>
-              <a:t>Demonstration</a:t>
+              <a:t>Introduction</a:t>
             </a:r>
           </a:p>
         </p:txBody>
@@ -3404,21 +3223,28 @@
             <a:pPr lvl="0"/>
             <a:r>
               <a:rPr/>
-              <a:t>Demonstration of tool in work</a:t>
+              <a:t>Flow simulation is a critical component in many fields</a:t>
             </a:r>
           </a:p>
           <a:p>
             <a:pPr lvl="0"/>
             <a:r>
               <a:rPr/>
-              <a:t>Show the problems it generates</a:t>
+              <a:t>The Poisson equation solves for the pressure field in incompressible flow</a:t>
             </a:r>
           </a:p>
           <a:p>
             <a:pPr lvl="0"/>
             <a:r>
               <a:rPr/>
-              <a:t>Show an example of debugging (maybe)</a:t>
+              <a:t>Traditional methods can be computationally expensive</a:t>
+            </a:r>
+          </a:p>
+          <a:p>
+            <a:pPr lvl="0"/>
+            <a:r>
+              <a:rPr/>
+              <a:t>Quantum computing offers a potential speedup for solving PDEs</a:t>
             </a:r>
           </a:p>
         </p:txBody>
@@ -3465,7 +3291,7 @@
             </a:pPr>
             <a:r>
               <a:rPr/>
-              <a:t>LLM’s</a:t>
+              <a:t>Background</a:t>
             </a:r>
           </a:p>
         </p:txBody>
@@ -3488,21 +3314,16 @@
             <a:pPr lvl="0"/>
             <a:r>
               <a:rPr/>
-              <a:t>What LLMs are good at</a:t>
-            </a:r>
-          </a:p>
-          <a:p>
-            <a:pPr lvl="0"/>
-            <a:r>
-              <a:rPr/>
-              <a:t>What LLMs are bad at</a:t>
-            </a:r>
-          </a:p>
-          <a:p>
-            <a:pPr lvl="0"/>
-            <a:r>
-              <a:rPr/>
-              <a:t>Interacting with LLM in code</a:t>
+              <a:t>Most solutions use Quantum Annealing, by first converting the problem to a QUBO (Quadratic Unconstrained Binary Optimization) problem</a:t>
+            </a:r>
+          </a:p>
+          <a:p>
+            <a:pPr lvl="0" indent="0" marL="0">
+              <a:buNone/>
+            </a:pPr>
+            <a:r>
+              <a:rPr i="1"/>
+              <a:t>Ali, Mazen and Kabel, Matthias. “Performance Study of Variational Quantum Algorithms for Solving the Poisson Equation on a Quantum Computer.” Physical Review Applied, vol. 20, no. 1, 2023, doi:10.1103/physrevapplied.20.014054.</a:t>
             </a:r>
           </a:p>
         </p:txBody>
@@ -3549,44 +3370,7 @@
             </a:pPr>
             <a:r>
               <a:rPr/>
-              <a:t>Debugging Importance</a:t>
-            </a:r>
-          </a:p>
-        </p:txBody>
-      </p:sp>
-      <p:sp>
-        <p:nvSpPr>
-          <p:cNvPr id="3" name="Content Placeholder 2"/>
-          <p:cNvSpPr>
-            <a:spLocks noGrp="1"/>
-          </p:cNvSpPr>
-          <p:nvPr>
-            <p:ph idx="1"/>
-          </p:nvPr>
-        </p:nvSpPr>
-        <p:spPr/>
-        <p:txBody>
-          <a:bodyPr/>
-          <a:lstStyle/>
-          <a:p>
-            <a:pPr lvl="0"/>
-            <a:r>
-              <a:rPr/>
-              <a:t>Percentage of time debugging</a:t>
-            </a:r>
-          </a:p>
-          <a:p>
-            <a:pPr lvl="0"/>
-            <a:r>
-              <a:rPr/>
-              <a:t>Cost of debugging late vs early in production</a:t>
-            </a:r>
-          </a:p>
-          <a:p>
-            <a:pPr lvl="0"/>
-            <a:r>
-              <a:rPr/>
-              <a:t>Increased importance of debugging with LLMs</a:t>
+              <a:t>Variational Quantum Imaginary Time Evolution</a:t>
             </a:r>
           </a:p>
         </p:txBody>
@@ -3633,44 +3417,7 @@
             </a:pPr>
             <a:r>
               <a:rPr/>
-              <a:t>Skills for Debugging</a:t>
-            </a:r>
-          </a:p>
-        </p:txBody>
-      </p:sp>
-      <p:sp>
-        <p:nvSpPr>
-          <p:cNvPr id="3" name="Content Placeholder 2"/>
-          <p:cNvSpPr>
-            <a:spLocks noGrp="1"/>
-          </p:cNvSpPr>
-          <p:nvPr>
-            <p:ph idx="1"/>
-          </p:nvPr>
-        </p:nvSpPr>
-        <p:spPr/>
-        <p:txBody>
-          <a:bodyPr/>
-          <a:lstStyle/>
-          <a:p>
-            <a:pPr lvl="0"/>
-            <a:r>
-              <a:rPr/>
-              <a:t>Understanding the language + problem</a:t>
-            </a:r>
-          </a:p>
-          <a:p>
-            <a:pPr lvl="0"/>
-            <a:r>
-              <a:rPr/>
-              <a:t>Using debugging tools</a:t>
-            </a:r>
-          </a:p>
-          <a:p>
-            <a:pPr lvl="0"/>
-            <a:r>
-              <a:rPr/>
-              <a:t>Previous experience with bugs</a:t>
+              <a:t>Quantum Machine Learning</a:t>
             </a:r>
           </a:p>
         </p:txBody>
@@ -3717,44 +3464,7 @@
             </a:pPr>
             <a:r>
               <a:rPr/>
-              <a:t>Addressing Debugging</a:t>
-            </a:r>
-          </a:p>
-        </p:txBody>
-      </p:sp>
-      <p:sp>
-        <p:nvSpPr>
-          <p:cNvPr id="3" name="Content Placeholder 2"/>
-          <p:cNvSpPr>
-            <a:spLocks noGrp="1"/>
-          </p:cNvSpPr>
-          <p:nvPr>
-            <p:ph idx="1"/>
-          </p:nvPr>
-        </p:nvSpPr>
-        <p:spPr/>
-        <p:txBody>
-          <a:bodyPr/>
-          <a:lstStyle/>
-          <a:p>
-            <a:pPr lvl="0"/>
-            <a:r>
-              <a:rPr/>
-              <a:t>Greater exposure to python from program + practice understanding problems</a:t>
-            </a:r>
-          </a:p>
-          <a:p>
-            <a:pPr lvl="0"/>
-            <a:r>
-              <a:rPr/>
-              <a:t>Future front end should include debugging tools</a:t>
-            </a:r>
-          </a:p>
-          <a:p>
-            <a:pPr lvl="0"/>
-            <a:r>
-              <a:rPr/>
-              <a:t>More exposure to bugs particularly in LLMs</a:t>
+              <a:t>Results</a:t>
             </a:r>
           </a:p>
         </p:txBody>
@@ -3801,184 +3511,7 @@
             </a:pPr>
             <a:r>
               <a:rPr/>
-              <a:t>Code Architecture</a:t>
-            </a:r>
-          </a:p>
-        </p:txBody>
-      </p:sp>
-      <p:sp>
-        <p:nvSpPr>
-          <p:cNvPr id="3" name="Content Placeholder 2"/>
-          <p:cNvSpPr>
-            <a:spLocks noGrp="1"/>
-          </p:cNvSpPr>
-          <p:nvPr>
-            <p:ph idx="1"/>
-          </p:nvPr>
-        </p:nvSpPr>
-        <p:spPr/>
-        <p:txBody>
-          <a:bodyPr/>
-          <a:lstStyle/>
-          <a:p>
-            <a:pPr lvl="0"/>
-            <a:r>
-              <a:rPr/>
-              <a:t>Diagram of code blocks (More granular than just classes)</a:t>
-            </a:r>
-          </a:p>
-        </p:txBody>
-      </p:sp>
-    </p:spTree>
-  </p:cSld>
-</p:sld>
-</file>
-
-<file path=ppt/slides/slide8.xml><?xml version="1.0" encoding="utf-8"?>
-<p:sld xmlns:a="http://schemas.openxmlformats.org/drawingml/2006/main" xmlns:r="http://schemas.openxmlformats.org/officeDocument/2006/relationships" xmlns:p="http://schemas.openxmlformats.org/presentationml/2006/main">
-  <p:cSld>
-    <p:spTree>
-      <p:nvGrpSpPr>
-        <p:cNvPr id="1" name=""/>
-        <p:cNvGrpSpPr/>
-        <p:nvPr/>
-      </p:nvGrpSpPr>
-      <p:grpSpPr>
-        <a:xfrm>
-          <a:off x="0" y="0"/>
-          <a:ext cx="0" cy="0"/>
-          <a:chOff x="0" y="0"/>
-          <a:chExt cx="0" cy="0"/>
-        </a:xfrm>
-      </p:grpSpPr>
-      <p:sp>
-        <p:nvSpPr>
-          <p:cNvPr id="2" name="Title 1"/>
-          <p:cNvSpPr>
-            <a:spLocks noGrp="1"/>
-          </p:cNvSpPr>
-          <p:nvPr>
-            <p:ph type="title"/>
-          </p:nvPr>
-        </p:nvSpPr>
-        <p:spPr/>
-        <p:txBody>
-          <a:bodyPr/>
-          <a:lstStyle/>
-          <a:p>
-            <a:pPr lvl="0" indent="0" marL="0">
-              <a:buNone/>
-            </a:pPr>
-            <a:r>
-              <a:rPr/>
-              <a:t>Bug Insertion</a:t>
-            </a:r>
-          </a:p>
-        </p:txBody>
-      </p:sp>
-      <p:sp>
-        <p:nvSpPr>
-          <p:cNvPr id="3" name="Content Placeholder 2"/>
-          <p:cNvSpPr>
-            <a:spLocks noGrp="1"/>
-          </p:cNvSpPr>
-          <p:nvPr>
-            <p:ph idx="1"/>
-          </p:nvPr>
-        </p:nvSpPr>
-        <p:spPr/>
-        <p:txBody>
-          <a:bodyPr/>
-          <a:lstStyle/>
-          <a:p>
-            <a:pPr lvl="0"/>
-            <a:r>
-              <a:rPr/>
-              <a:t>How bugs are inserted</a:t>
-            </a:r>
-          </a:p>
-          <a:p>
-            <a:pPr lvl="0"/>
-            <a:r>
-              <a:rPr/>
-              <a:t>Common issues with insertion and workarounds implemented</a:t>
-            </a:r>
-          </a:p>
-        </p:txBody>
-      </p:sp>
-    </p:spTree>
-  </p:cSld>
-</p:sld>
-</file>
-
-<file path=ppt/slides/slide9.xml><?xml version="1.0" encoding="utf-8"?>
-<p:sld xmlns:a="http://schemas.openxmlformats.org/drawingml/2006/main" xmlns:r="http://schemas.openxmlformats.org/officeDocument/2006/relationships" xmlns:p="http://schemas.openxmlformats.org/presentationml/2006/main">
-  <p:cSld>
-    <p:spTree>
-      <p:nvGrpSpPr>
-        <p:cNvPr id="1" name=""/>
-        <p:cNvGrpSpPr/>
-        <p:nvPr/>
-      </p:nvGrpSpPr>
-      <p:grpSpPr>
-        <a:xfrm>
-          <a:off x="0" y="0"/>
-          <a:ext cx="0" cy="0"/>
-          <a:chOff x="0" y="0"/>
-          <a:chExt cx="0" cy="0"/>
-        </a:xfrm>
-      </p:grpSpPr>
-      <p:sp>
-        <p:nvSpPr>
-          <p:cNvPr id="2" name="Title 1"/>
-          <p:cNvSpPr>
-            <a:spLocks noGrp="1"/>
-          </p:cNvSpPr>
-          <p:nvPr>
-            <p:ph type="title"/>
-          </p:nvPr>
-        </p:nvSpPr>
-        <p:spPr/>
-        <p:txBody>
-          <a:bodyPr/>
-          <a:lstStyle/>
-          <a:p>
-            <a:pPr lvl="0" indent="0" marL="0">
-              <a:buNone/>
-            </a:pPr>
-            <a:r>
-              <a:rPr/>
-              <a:t>Self Checking and Improvement</a:t>
-            </a:r>
-          </a:p>
-        </p:txBody>
-      </p:sp>
-      <p:sp>
-        <p:nvSpPr>
-          <p:cNvPr id="3" name="Content Placeholder 2"/>
-          <p:cNvSpPr>
-            <a:spLocks noGrp="1"/>
-          </p:cNvSpPr>
-          <p:nvPr>
-            <p:ph idx="1"/>
-          </p:nvPr>
-        </p:nvSpPr>
-        <p:spPr/>
-        <p:txBody>
-          <a:bodyPr/>
-          <a:lstStyle/>
-          <a:p>
-            <a:pPr lvl="0"/>
-            <a:r>
-              <a:rPr/>
-              <a:t>How self checking is implemented</a:t>
-            </a:r>
-          </a:p>
-          <a:p>
-            <a:pPr lvl="0"/>
-            <a:r>
-              <a:rPr/>
-              <a:t>How the problematic responses are improved</a:t>
+              <a:t>Conclusion</a:t>
             </a:r>
           </a:p>
         </p:txBody>
